--- a/Poster_CVIP_final.pptx
+++ b/Poster_CVIP_final.pptx
@@ -4364,8 +4364,8 @@
             <a:chExt cx="13686492" cy="11722573"/>
           </a:xfrm>
         </p:grpSpPr>
-        <mc:AlternateContent xmlns:mc="http://schemas.openxmlformats.org/markup-compatibility/2006" xmlns:a14="http://schemas.microsoft.com/office/drawing/2010/main">
-          <mc:Choice Requires="a14">
+        <mc:AlternateContent xmlns:mc="http://schemas.openxmlformats.org/markup-compatibility/2006">
+          <mc:Choice xmlns:a14="http://schemas.microsoft.com/office/drawing/2010/main" Requires="a14">
             <p:sp>
               <p:nvSpPr>
                 <p:cNvPr id="13" name="Text Box 192"/>
@@ -4768,7 +4768,13 @@
                           <a:rPr lang="en-US" sz="3000" b="0" i="1" smtClean="0">
                             <a:latin typeface="Cambria Math" panose="02040503050406030204" pitchFamily="18" charset="0"/>
                           </a:rPr>
-                          <m:t>𝐹𝑆𝑇</m:t>
+                          <m:t>𝐹𝑆</m:t>
+                        </m:r>
+                        <m:r>
+                          <a:rPr lang="en-US" sz="3000" b="0" i="1" baseline="-25000" smtClean="0">
+                            <a:latin typeface="Cambria Math" panose="02040503050406030204" pitchFamily="18" charset="0"/>
+                          </a:rPr>
+                          <m:t>𝑇</m:t>
                         </m:r>
                         <m:d>
                           <m:dPr>
@@ -4886,7 +4892,7 @@
               </p:txBody>
             </p:sp>
           </mc:Choice>
-          <mc:Fallback xmlns="">
+          <mc:Fallback>
             <p:sp>
               <p:nvSpPr>
                 <p:cNvPr id="13" name="Text Box 192"/>
@@ -5615,7 +5621,7 @@
               </a:r>
               <a:r>
                 <a:rPr lang="en-US" sz="2400" dirty="0" smtClean="0"/>
-                <a:t> PFSM Model</a:t>
+                <a:t> PFSM Module</a:t>
               </a:r>
               <a:endParaRPr lang="en-US" sz="2400" dirty="0"/>
             </a:p>
@@ -7549,8 +7555,8 @@
             <a:chExt cx="5832122" cy="15525368"/>
           </a:xfrm>
         </p:grpSpPr>
-        <mc:AlternateContent xmlns:mc="http://schemas.openxmlformats.org/markup-compatibility/2006">
-          <mc:Choice xmlns:a14="http://schemas.microsoft.com/office/drawing/2010/main" Requires="a14">
+        <mc:AlternateContent xmlns:mc="http://schemas.openxmlformats.org/markup-compatibility/2006" xmlns:a14="http://schemas.microsoft.com/office/drawing/2010/main">
+          <mc:Choice Requires="a14">
             <p:sp>
               <p:nvSpPr>
                 <p:cNvPr id="81" name="Text Box 189"/>
@@ -7689,9 +7695,6 @@
                     </a:rPr>
                     <a:t>The model was evaluated on PETS 2006 and AVSS 2007 dataset. Our results with evaluation metrics Precision, Recall and F-Score are shown in Table 2. </a:t>
                   </a:r>
-                  <a:endParaRPr lang="en-IN" sz="3000" dirty="0">
-                    <a:latin typeface="Calibri" pitchFamily="34" charset="0"/>
-                  </a:endParaRPr>
                 </a:p>
                 <a:p>
                   <a:pPr algn="just" eaLnBrk="1" hangingPunct="1"/>
@@ -7699,79 +7702,7 @@
                     <a:rPr lang="en-IN" sz="3000" dirty="0">
                       <a:latin typeface="Calibri" pitchFamily="34" charset="0"/>
                     </a:rPr>
-                    <a:t>Though, it has been evaluated using the conventional F-Score metric (for comparison with the other state-of-the-art models), it does not give a good evaluation of the overall steps </a:t>
-                  </a:r>
-                  <a:r>
-                    <a:rPr lang="en-IN" sz="3000" dirty="0">
-                      <a:latin typeface="Calibri" pitchFamily="34" charset="0"/>
-                    </a:rPr>
-                    <a:t>involved. </a:t>
-                  </a:r>
-                  <a:r>
-                    <a:rPr lang="en-IN" sz="3000" dirty="0">
-                      <a:latin typeface="Calibri" pitchFamily="34" charset="0"/>
-                    </a:rPr>
-                    <a:t>Therefore, </a:t>
-                  </a:r>
-                  <a:r>
-                    <a:rPr lang="en-IN" sz="3000" dirty="0">
-                      <a:latin typeface="Calibri" pitchFamily="34" charset="0"/>
-                    </a:rPr>
-                    <a:t>for a </a:t>
-                  </a:r>
-                  <a:r>
-                    <a:rPr lang="en-IN" sz="3000" dirty="0">
-                      <a:latin typeface="Calibri" pitchFamily="34" charset="0"/>
-                    </a:rPr>
-                    <a:t>better understanding of </a:t>
-                  </a:r>
-                  <a:r>
-                    <a:rPr lang="en-IN" sz="3000" dirty="0">
-                      <a:latin typeface="Calibri" pitchFamily="34" charset="0"/>
-                    </a:rPr>
-                    <a:t>our </a:t>
-                  </a:r>
-                  <a:r>
-                    <a:rPr lang="en-IN" sz="3000" dirty="0">
-                      <a:latin typeface="Calibri" pitchFamily="34" charset="0"/>
-                    </a:rPr>
-                    <a:t>model we define a more holistic </a:t>
-                  </a:r>
-                  <a:r>
-                    <a:rPr lang="en-IN" sz="3000" dirty="0">
-                      <a:latin typeface="Calibri" pitchFamily="34" charset="0"/>
-                    </a:rPr>
-                    <a:t>Accuracy </a:t>
-                  </a:r>
-                  <a:r>
-                    <a:rPr lang="en-IN" sz="3000" dirty="0">
-                      <a:latin typeface="Calibri" pitchFamily="34" charset="0"/>
-                    </a:rPr>
-                    <a:t>M</a:t>
-                  </a:r>
-                  <a:r>
-                    <a:rPr lang="en-IN" sz="3000" dirty="0">
-                      <a:latin typeface="Calibri" pitchFamily="34" charset="0"/>
-                    </a:rPr>
-                    <a:t>etric</a:t>
-                  </a:r>
-                  <a:r>
-                    <a:rPr lang="en-IN" sz="3000" dirty="0">
-                      <a:latin typeface="Calibri" pitchFamily="34" charset="0"/>
-                    </a:rPr>
-                    <a:t>. </a:t>
-                  </a:r>
-                  <a:r>
-                    <a:rPr lang="en-IN" sz="3000" dirty="0">
-                      <a:latin typeface="Calibri" pitchFamily="34" charset="0"/>
-                    </a:rPr>
-                    <a:t>The </a:t>
-                  </a:r>
-                  <a:r>
-                    <a:rPr lang="en-IN" sz="3000" dirty="0">
-                      <a:latin typeface="Calibri" pitchFamily="34" charset="0"/>
-                    </a:rPr>
-                    <a:t>metric A is defined as,</a:t>
+                    <a:t>Though, it has been evaluated using the conventional F-Score metric (for comparison with the other state-of-the-art models), it does not give a good evaluation of the overall steps involved. Therefore, for a better understanding of our model we define a more holistic Accuracy Metric. The metric A is defined as,</a:t>
                   </a:r>
                 </a:p>
                 <a:p>
@@ -7955,13 +7886,7 @@
                     <a:rPr lang="en-IN" sz="3000" dirty="0">
                       <a:latin typeface="Calibri" pitchFamily="34" charset="0"/>
                     </a:rPr>
-                    <a:t>Where</a:t>
-                  </a:r>
-                  <a:r>
-                    <a:rPr lang="en-IN" sz="3000" dirty="0">
-                      <a:latin typeface="Calibri" pitchFamily="34" charset="0"/>
-                    </a:rPr>
-                    <a:t>,</a:t>
+                    <a:t>Where,</a:t>
                   </a:r>
                 </a:p>
                 <a:p>
@@ -7970,13 +7895,7 @@
                     <a:rPr lang="en-IN" sz="3000" dirty="0">
                       <a:latin typeface="Calibri" pitchFamily="34" charset="0"/>
                     </a:rPr>
-                    <a:t>N= </a:t>
-                  </a:r>
-                  <a:r>
-                    <a:rPr lang="en-IN" sz="3000" dirty="0">
-                      <a:latin typeface="Calibri" pitchFamily="34" charset="0"/>
-                    </a:rPr>
-                    <a:t>Total number of cases tested</a:t>
+                    <a:t>N= Total number of cases tested</a:t>
                   </a:r>
                 </a:p>
                 <a:p>
@@ -7997,13 +7916,7 @@
                     <a:rPr lang="en-IN" sz="3000" dirty="0">
                       <a:latin typeface="Calibri" pitchFamily="34" charset="0"/>
                     </a:rPr>
-                    <a:t>= </a:t>
-                  </a:r>
-                  <a:r>
-                    <a:rPr lang="en-IN" sz="3000" dirty="0">
-                      <a:latin typeface="Calibri" pitchFamily="34" charset="0"/>
-                    </a:rPr>
-                    <a:t>No abandoned object detected</a:t>
+                    <a:t>= No abandoned object detected</a:t>
                   </a:r>
                 </a:p>
                 <a:p>
@@ -8066,13 +7979,7 @@
                     <a:rPr lang="en-IN" sz="3000" dirty="0">
                       <a:latin typeface="Calibri" pitchFamily="34" charset="0"/>
                     </a:rPr>
-                    <a:t>= Object labelled correctly but false blob is also </a:t>
-                  </a:r>
-                  <a:r>
-                    <a:rPr lang="en-IN" sz="3000" dirty="0">
-                      <a:latin typeface="Calibri" pitchFamily="34" charset="0"/>
-                    </a:rPr>
-                    <a:t>detected</a:t>
+                    <a:t>= Object labelled correctly but false blob is also detected</a:t>
                   </a:r>
                 </a:p>
                 <a:p>
@@ -8090,37 +7997,19 @@
                     <a:rPr lang="en-IN" sz="3000" dirty="0">
                       <a:latin typeface="Calibri" pitchFamily="34" charset="0"/>
                     </a:rPr>
-                    <a:t>Evaluating </a:t>
-                  </a:r>
-                  <a:r>
-                    <a:rPr lang="en-IN" sz="3000" dirty="0">
-                      <a:latin typeface="Calibri" pitchFamily="34" charset="0"/>
-                    </a:rPr>
-                    <a:t>our model </a:t>
-                  </a:r>
-                  <a:r>
-                    <a:rPr lang="en-IN" sz="3000" dirty="0">
-                      <a:latin typeface="Calibri" pitchFamily="34" charset="0"/>
-                    </a:rPr>
-                    <a:t>on this metric we get </a:t>
+                    <a:t>Evaluating our model on this metric we get </a:t>
                   </a:r>
                   <a:r>
                     <a:rPr lang="en-IN" sz="3000" b="1" dirty="0">
                       <a:latin typeface="Calibri" pitchFamily="34" charset="0"/>
                     </a:rPr>
-                    <a:t>A </a:t>
-                  </a:r>
-                  <a:r>
-                    <a:rPr lang="en-IN" sz="3000" b="1" dirty="0">
-                      <a:latin typeface="Calibri" pitchFamily="34" charset="0"/>
-                    </a:rPr>
-                    <a:t>= 0.857 </a:t>
+                    <a:t>A = 0.857 </a:t>
                   </a:r>
                 </a:p>
               </p:txBody>
             </p:sp>
           </mc:Choice>
-          <mc:Fallback>
+          <mc:Fallback xmlns="">
             <p:sp>
               <p:nvSpPr>
                 <p:cNvPr id="81" name="Text Box 189"/>
